--- a/main_folder/1.7 and 1.8 documentation.pptx
+++ b/main_folder/1.7 and 1.8 documentation.pptx
@@ -218,7 +218,7 @@
           <a:p>
             <a:fld id="{F37D28C0-BEB6-42B0-A203-EEE1023219C4}" type="datetimeFigureOut">
               <a:rPr lang="en-NZ" smtClean="0"/>
-              <a:t>5/05/22</a:t>
+              <a:t>10/05/22</a:t>
             </a:fld>
             <a:endParaRPr lang="en-NZ"/>
           </a:p>
@@ -1619,7 +1619,7 @@
           <a:p>
             <a:fld id="{9C4A4F43-1C06-40E6-8F87-8B286982E50E}" type="datetimeFigureOut">
               <a:rPr lang="en-NZ" smtClean="0"/>
-              <a:t>5/05/22</a:t>
+              <a:t>10/05/22</a:t>
             </a:fld>
             <a:endParaRPr lang="en-NZ" dirty="0"/>
           </a:p>
@@ -1819,7 +1819,7 @@
           <a:p>
             <a:fld id="{9C4A4F43-1C06-40E6-8F87-8B286982E50E}" type="datetimeFigureOut">
               <a:rPr lang="en-NZ" smtClean="0"/>
-              <a:t>5/05/22</a:t>
+              <a:t>10/05/22</a:t>
             </a:fld>
             <a:endParaRPr lang="en-NZ" dirty="0"/>
           </a:p>
@@ -2029,7 +2029,7 @@
           <a:p>
             <a:fld id="{9C4A4F43-1C06-40E6-8F87-8B286982E50E}" type="datetimeFigureOut">
               <a:rPr lang="en-NZ" smtClean="0"/>
-              <a:t>5/05/22</a:t>
+              <a:t>10/05/22</a:t>
             </a:fld>
             <a:endParaRPr lang="en-NZ" dirty="0"/>
           </a:p>
@@ -2588,7 +2588,7 @@
           <a:p>
             <a:fld id="{9C4A4F43-1C06-40E6-8F87-8B286982E50E}" type="datetimeFigureOut">
               <a:rPr lang="en-NZ" smtClean="0"/>
-              <a:t>5/05/22</a:t>
+              <a:t>10/05/22</a:t>
             </a:fld>
             <a:endParaRPr lang="en-NZ" dirty="0"/>
           </a:p>
@@ -2864,7 +2864,7 @@
           <a:p>
             <a:fld id="{9C4A4F43-1C06-40E6-8F87-8B286982E50E}" type="datetimeFigureOut">
               <a:rPr lang="en-NZ" smtClean="0"/>
-              <a:t>5/05/22</a:t>
+              <a:t>10/05/22</a:t>
             </a:fld>
             <a:endParaRPr lang="en-NZ" dirty="0"/>
           </a:p>
@@ -3132,7 +3132,7 @@
           <a:p>
             <a:fld id="{9C4A4F43-1C06-40E6-8F87-8B286982E50E}" type="datetimeFigureOut">
               <a:rPr lang="en-NZ" smtClean="0"/>
-              <a:t>5/05/22</a:t>
+              <a:t>10/05/22</a:t>
             </a:fld>
             <a:endParaRPr lang="en-NZ" dirty="0"/>
           </a:p>
@@ -3547,7 +3547,7 @@
           <a:p>
             <a:fld id="{9C4A4F43-1C06-40E6-8F87-8B286982E50E}" type="datetimeFigureOut">
               <a:rPr lang="en-NZ" smtClean="0"/>
-              <a:t>5/05/22</a:t>
+              <a:t>10/05/22</a:t>
             </a:fld>
             <a:endParaRPr lang="en-NZ" dirty="0"/>
           </a:p>
@@ -3689,7 +3689,7 @@
           <a:p>
             <a:fld id="{9C4A4F43-1C06-40E6-8F87-8B286982E50E}" type="datetimeFigureOut">
               <a:rPr lang="en-NZ" smtClean="0"/>
-              <a:t>5/05/22</a:t>
+              <a:t>10/05/22</a:t>
             </a:fld>
             <a:endParaRPr lang="en-NZ" dirty="0"/>
           </a:p>
@@ -3802,7 +3802,7 @@
           <a:p>
             <a:fld id="{9C4A4F43-1C06-40E6-8F87-8B286982E50E}" type="datetimeFigureOut">
               <a:rPr lang="en-NZ" smtClean="0"/>
-              <a:t>5/05/22</a:t>
+              <a:t>10/05/22</a:t>
             </a:fld>
             <a:endParaRPr lang="en-NZ" dirty="0"/>
           </a:p>
@@ -4115,7 +4115,7 @@
           <a:p>
             <a:fld id="{9C4A4F43-1C06-40E6-8F87-8B286982E50E}" type="datetimeFigureOut">
               <a:rPr lang="en-NZ" smtClean="0"/>
-              <a:t>5/05/22</a:t>
+              <a:t>10/05/22</a:t>
             </a:fld>
             <a:endParaRPr lang="en-NZ" dirty="0"/>
           </a:p>
@@ -4404,7 +4404,7 @@
           <a:p>
             <a:fld id="{9C4A4F43-1C06-40E6-8F87-8B286982E50E}" type="datetimeFigureOut">
               <a:rPr lang="en-NZ" smtClean="0"/>
-              <a:t>5/05/22</a:t>
+              <a:t>10/05/22</a:t>
             </a:fld>
             <a:endParaRPr lang="en-NZ" dirty="0"/>
           </a:p>
@@ -4647,7 +4647,7 @@
           <a:p>
             <a:fld id="{9C4A4F43-1C06-40E6-8F87-8B286982E50E}" type="datetimeFigureOut">
               <a:rPr lang="en-NZ" smtClean="0"/>
-              <a:t>5/05/22</a:t>
+              <a:t>10/05/22</a:t>
             </a:fld>
             <a:endParaRPr lang="en-NZ" dirty="0"/>
           </a:p>
@@ -6616,6 +6616,42 @@
           </a:p>
         </p:txBody>
       </p:sp>
+      <p:pic>
+        <p:nvPicPr>
+          <p:cNvPr id="5" name="Picture 4" descr="Graphical user interface, text, application&#10;&#10;Description automatically generated">
+            <a:extLst>
+              <a:ext uri="{FF2B5EF4-FFF2-40B4-BE49-F238E27FC236}">
+                <a16:creationId xmlns:a16="http://schemas.microsoft.com/office/drawing/2014/main" id="{79135390-EF12-E161-75B2-A9002225B401}"/>
+              </a:ext>
+            </a:extLst>
+          </p:cNvPr>
+          <p:cNvPicPr>
+            <a:picLocks noChangeAspect="1"/>
+          </p:cNvPicPr>
+          <p:nvPr/>
+        </p:nvPicPr>
+        <p:blipFill>
+          <a:blip r:embed="rId3">
+            <a:extLst>
+              <a:ext uri="{28A0092B-C50C-407E-A947-70E740481C1C}">
+                <a14:useLocalDpi xmlns:a14="http://schemas.microsoft.com/office/drawing/2010/main" val="0"/>
+              </a:ext>
+            </a:extLst>
+          </a:blip>
+          <a:stretch>
+            <a:fillRect/>
+          </a:stretch>
+        </p:blipFill>
+        <p:spPr>
+          <a:xfrm>
+            <a:off x="4324350" y="1674112"/>
+            <a:ext cx="3543300" cy="4432300"/>
+          </a:xfrm>
+          <a:prstGeom prst="rect">
+            <a:avLst/>
+          </a:prstGeom>
+        </p:spPr>
+      </p:pic>
     </p:spTree>
     <p:extLst>
       <p:ext uri="{BB962C8B-B14F-4D97-AF65-F5344CB8AC3E}">
@@ -6673,12 +6709,48 @@
           <a:p>
             <a:r>
               <a:rPr lang="en" sz="4000" dirty="0"/>
-              <a:t>[Component name] (Trello screenshot)</a:t>
+              <a:t>01: Welcome Screen</a:t>
             </a:r>
             <a:endParaRPr sz="4000" dirty="0"/>
           </a:p>
         </p:txBody>
       </p:sp>
+      <p:pic>
+        <p:nvPicPr>
+          <p:cNvPr id="3" name="Picture 2" descr="Yellow means, &quot;Being worked on&quot;.">
+            <a:extLst>
+              <a:ext uri="{FF2B5EF4-FFF2-40B4-BE49-F238E27FC236}">
+                <a16:creationId xmlns:a16="http://schemas.microsoft.com/office/drawing/2014/main" id="{C119DAFB-9B92-9132-C41F-C6AEEB2AC373}"/>
+              </a:ext>
+            </a:extLst>
+          </p:cNvPr>
+          <p:cNvPicPr>
+            <a:picLocks noChangeAspect="1"/>
+          </p:cNvPicPr>
+          <p:nvPr/>
+        </p:nvPicPr>
+        <p:blipFill>
+          <a:blip r:embed="rId3">
+            <a:extLst>
+              <a:ext uri="{28A0092B-C50C-407E-A947-70E740481C1C}">
+                <a14:useLocalDpi xmlns:a14="http://schemas.microsoft.com/office/drawing/2010/main" val="0"/>
+              </a:ext>
+            </a:extLst>
+          </a:blip>
+          <a:stretch>
+            <a:fillRect/>
+          </a:stretch>
+        </p:blipFill>
+        <p:spPr>
+          <a:xfrm>
+            <a:off x="2533650" y="1212850"/>
+            <a:ext cx="7124700" cy="4432300"/>
+          </a:xfrm>
+          <a:prstGeom prst="rect">
+            <a:avLst/>
+          </a:prstGeom>
+        </p:spPr>
+      </p:pic>
     </p:spTree>
   </p:cSld>
   <p:clrMapOvr>
@@ -6731,7 +6803,7 @@
           <a:p>
             <a:r>
               <a:rPr lang="en" sz="4000" dirty="0"/>
-              <a:t>[Component name] - Test Plan</a:t>
+              <a:t>Welcome Screen - Test Plan</a:t>
             </a:r>
             <a:endParaRPr sz="4000" dirty="0"/>
           </a:p>
@@ -6744,14 +6816,14 @@
           <p:nvPr>
             <p:extLst>
               <p:ext uri="{D42A27DB-BD31-4B8C-83A1-F6EECF244321}">
-                <p14:modId xmlns:p14="http://schemas.microsoft.com/office/powerpoint/2010/main" val="2698883836"/>
+                <p14:modId xmlns:p14="http://schemas.microsoft.com/office/powerpoint/2010/main" val="686776345"/>
               </p:ext>
             </p:extLst>
           </p:nvPr>
         </p:nvGraphicFramePr>
         <p:xfrm>
-          <a:off x="509967" y="1690300"/>
-          <a:ext cx="11360800" cy="1219120"/>
+          <a:off x="415600" y="981047"/>
+          <a:ext cx="11360800" cy="4309494"/>
         </p:xfrm>
         <a:graphic>
           <a:graphicData uri="http://schemas.openxmlformats.org/drawingml/2006/table">
@@ -6775,7 +6847,7 @@
                   </a:extLst>
                 </a:gridCol>
               </a:tblGrid>
-              <a:tr h="609560">
+              <a:tr h="615642">
                 <a:tc>
                   <a:txBody>
                     <a:bodyPr/>
@@ -6836,7 +6908,113 @@
                   </a:ext>
                 </a:extLst>
               </a:tr>
-              <a:tr h="609560">
+              <a:tr h="615642">
+                <a:tc>
+                  <a:txBody>
+                    <a:bodyPr/>
+                    <a:lstStyle/>
+                    <a:p>
+                      <a:pPr marL="0" lvl="0" indent="0" algn="l" rtl="0">
+                        <a:spcBef>
+                          <a:spcPts val="0"/>
+                        </a:spcBef>
+                        <a:spcAft>
+                          <a:spcPts val="0"/>
+                        </a:spcAft>
+                        <a:buNone/>
+                      </a:pPr>
+                      <a:r>
+                        <a:rPr lang="en-US" sz="2400" dirty="0"/>
+                        <a:t>Yes/yes/Y/y</a:t>
+                      </a:r>
+                      <a:endParaRPr sz="2400" dirty="0"/>
+                    </a:p>
+                  </a:txBody>
+                  <a:tcPr marL="121900" marR="121900" marT="121900" marB="121900"/>
+                </a:tc>
+                <a:tc>
+                  <a:txBody>
+                    <a:bodyPr/>
+                    <a:lstStyle/>
+                    <a:p>
+                      <a:pPr marL="0" lvl="0" indent="0" algn="l" rtl="0">
+                        <a:spcBef>
+                          <a:spcPts val="0"/>
+                        </a:spcBef>
+                        <a:spcAft>
+                          <a:spcPts val="0"/>
+                        </a:spcAft>
+                        <a:buNone/>
+                      </a:pPr>
+                      <a:r>
+                        <a:rPr lang="en-US" sz="2400" dirty="0"/>
+                        <a:t>Program Continues</a:t>
+                      </a:r>
+                      <a:endParaRPr sz="2400" dirty="0"/>
+                    </a:p>
+                  </a:txBody>
+                  <a:tcPr marL="121900" marR="121900" marT="121900" marB="121900"/>
+                </a:tc>
+                <a:extLst>
+                  <a:ext uri="{0D108BD9-81ED-4DB2-BD59-A6C34878D82A}">
+                    <a16:rowId xmlns:a16="http://schemas.microsoft.com/office/drawing/2014/main" val="10001"/>
+                  </a:ext>
+                </a:extLst>
+              </a:tr>
+              <a:tr h="615642">
+                <a:tc>
+                  <a:txBody>
+                    <a:bodyPr/>
+                    <a:lstStyle/>
+                    <a:p>
+                      <a:pPr marL="0" lvl="0" indent="0" algn="l" rtl="0">
+                        <a:spcBef>
+                          <a:spcPts val="0"/>
+                        </a:spcBef>
+                        <a:spcAft>
+                          <a:spcPts val="0"/>
+                        </a:spcAft>
+                        <a:buNone/>
+                      </a:pPr>
+                      <a:r>
+                        <a:rPr lang="en-US" sz="2400" dirty="0"/>
+                        <a:t>No/no/N/n</a:t>
+                      </a:r>
+                      <a:endParaRPr sz="2400" dirty="0"/>
+                    </a:p>
+                  </a:txBody>
+                  <a:tcPr marL="121900" marR="121900" marT="121900" marB="121900"/>
+                </a:tc>
+                <a:tc>
+                  <a:txBody>
+                    <a:bodyPr/>
+                    <a:lstStyle/>
+                    <a:p>
+                      <a:pPr marL="0" lvl="0" indent="0" algn="l" rtl="0">
+                        <a:spcBef>
+                          <a:spcPts val="0"/>
+                        </a:spcBef>
+                        <a:spcAft>
+                          <a:spcPts val="0"/>
+                        </a:spcAft>
+                        <a:buNone/>
+                      </a:pPr>
+                      <a:r>
+                        <a:rPr lang="en-US" sz="2400" dirty="0"/>
+                        <a:t>Instructions</a:t>
+                      </a:r>
+                      <a:endParaRPr sz="2400" dirty="0"/>
+                    </a:p>
+                  </a:txBody>
+                  <a:tcPr marL="121900" marR="121900" marT="121900" marB="121900"/>
+                </a:tc>
+                <a:extLst>
+                  <a:ext uri="{0D108BD9-81ED-4DB2-BD59-A6C34878D82A}">
+                    <a16:rowId xmlns:a16="http://schemas.microsoft.com/office/drawing/2014/main" val="222856048"/>
+                  </a:ext>
+                </a:extLst>
+              </a:tr>
+              <a:tr h="615642">
                 <a:tc>
                   <a:txBody>
                     <a:bodyPr/>
@@ -6877,7 +7055,142 @@
                 </a:tc>
                 <a:extLst>
                   <a:ext uri="{0D108BD9-81ED-4DB2-BD59-A6C34878D82A}">
-                    <a16:rowId xmlns:a16="http://schemas.microsoft.com/office/drawing/2014/main" val="10001"/>
+                    <a16:rowId xmlns:a16="http://schemas.microsoft.com/office/drawing/2014/main" val="3426847512"/>
+                  </a:ext>
+                </a:extLst>
+              </a:tr>
+              <a:tr h="615642">
+                <a:tc>
+                  <a:txBody>
+                    <a:bodyPr/>
+                    <a:lstStyle/>
+                    <a:p>
+                      <a:pPr marL="0" lvl="0" indent="0" algn="l" rtl="0">
+                        <a:spcBef>
+                          <a:spcPts val="0"/>
+                        </a:spcBef>
+                        <a:spcAft>
+                          <a:spcPts val="0"/>
+                        </a:spcAft>
+                        <a:buNone/>
+                      </a:pPr>
+                      <a:endParaRPr sz="2400" dirty="0"/>
+                    </a:p>
+                  </a:txBody>
+                  <a:tcPr marL="121900" marR="121900" marT="121900" marB="121900"/>
+                </a:tc>
+                <a:tc>
+                  <a:txBody>
+                    <a:bodyPr/>
+                    <a:lstStyle/>
+                    <a:p>
+                      <a:pPr marL="0" lvl="0" indent="0" algn="l" rtl="0">
+                        <a:spcBef>
+                          <a:spcPts val="0"/>
+                        </a:spcBef>
+                        <a:spcAft>
+                          <a:spcPts val="0"/>
+                        </a:spcAft>
+                        <a:buNone/>
+                      </a:pPr>
+                      <a:endParaRPr sz="2400" dirty="0"/>
+                    </a:p>
+                  </a:txBody>
+                  <a:tcPr marL="121900" marR="121900" marT="121900" marB="121900"/>
+                </a:tc>
+                <a:extLst>
+                  <a:ext uri="{0D108BD9-81ED-4DB2-BD59-A6C34878D82A}">
+                    <a16:rowId xmlns:a16="http://schemas.microsoft.com/office/drawing/2014/main" val="167978782"/>
+                  </a:ext>
+                </a:extLst>
+              </a:tr>
+              <a:tr h="615642">
+                <a:tc>
+                  <a:txBody>
+                    <a:bodyPr/>
+                    <a:lstStyle/>
+                    <a:p>
+                      <a:pPr marL="0" lvl="0" indent="0" algn="l" rtl="0">
+                        <a:spcBef>
+                          <a:spcPts val="0"/>
+                        </a:spcBef>
+                        <a:spcAft>
+                          <a:spcPts val="0"/>
+                        </a:spcAft>
+                        <a:buNone/>
+                      </a:pPr>
+                      <a:endParaRPr sz="2400" dirty="0"/>
+                    </a:p>
+                  </a:txBody>
+                  <a:tcPr marL="121900" marR="121900" marT="121900" marB="121900"/>
+                </a:tc>
+                <a:tc>
+                  <a:txBody>
+                    <a:bodyPr/>
+                    <a:lstStyle/>
+                    <a:p>
+                      <a:pPr marL="0" lvl="0" indent="0" algn="l" rtl="0">
+                        <a:spcBef>
+                          <a:spcPts val="0"/>
+                        </a:spcBef>
+                        <a:spcAft>
+                          <a:spcPts val="0"/>
+                        </a:spcAft>
+                        <a:buNone/>
+                      </a:pPr>
+                      <a:endParaRPr sz="2400" dirty="0"/>
+                    </a:p>
+                  </a:txBody>
+                  <a:tcPr marL="121900" marR="121900" marT="121900" marB="121900"/>
+                </a:tc>
+                <a:extLst>
+                  <a:ext uri="{0D108BD9-81ED-4DB2-BD59-A6C34878D82A}">
+                    <a16:rowId xmlns:a16="http://schemas.microsoft.com/office/drawing/2014/main" val="17491676"/>
+                  </a:ext>
+                </a:extLst>
+              </a:tr>
+              <a:tr h="615642">
+                <a:tc>
+                  <a:txBody>
+                    <a:bodyPr/>
+                    <a:lstStyle/>
+                    <a:p>
+                      <a:pPr marL="0" lvl="0" indent="0" algn="l" rtl="0">
+                        <a:spcBef>
+                          <a:spcPts val="0"/>
+                        </a:spcBef>
+                        <a:spcAft>
+                          <a:spcPts val="0"/>
+                        </a:spcAft>
+                        <a:buNone/>
+                      </a:pPr>
+                      <a:endParaRPr sz="2400" dirty="0"/>
+                    </a:p>
+                  </a:txBody>
+                  <a:tcPr marL="121900" marR="121900" marT="121900" marB="121900"/>
+                </a:tc>
+                <a:tc>
+                  <a:txBody>
+                    <a:bodyPr/>
+                    <a:lstStyle/>
+                    <a:p>
+                      <a:pPr marL="0" lvl="0" indent="0" algn="l" rtl="0">
+                        <a:spcBef>
+                          <a:spcPts val="0"/>
+                        </a:spcBef>
+                        <a:spcAft>
+                          <a:spcPts val="0"/>
+                        </a:spcAft>
+                        <a:buNone/>
+                      </a:pPr>
+                      <a:endParaRPr sz="2400" dirty="0"/>
+                    </a:p>
+                  </a:txBody>
+                  <a:tcPr marL="121900" marR="121900" marT="121900" marB="121900"/>
+                </a:tc>
+                <a:extLst>
+                  <a:ext uri="{0D108BD9-81ED-4DB2-BD59-A6C34878D82A}">
+                    <a16:rowId xmlns:a16="http://schemas.microsoft.com/office/drawing/2014/main" val="2928349982"/>
                   </a:ext>
                 </a:extLst>
               </a:tr>
@@ -6885,57 +7198,6 @@
           </a:graphicData>
         </a:graphic>
       </p:graphicFrame>
-      <p:sp>
-        <p:nvSpPr>
-          <p:cNvPr id="4" name="Rectangle 3">
-            <a:extLst>
-              <a:ext uri="{FF2B5EF4-FFF2-40B4-BE49-F238E27FC236}">
-                <a16:creationId xmlns:a16="http://schemas.microsoft.com/office/drawing/2014/main" id="{518343B6-2201-4ACD-B907-770BC22E8B26}"/>
-              </a:ext>
-            </a:extLst>
-          </p:cNvPr>
-          <p:cNvSpPr/>
-          <p:nvPr/>
-        </p:nvSpPr>
-        <p:spPr>
-          <a:xfrm>
-            <a:off x="645160" y="1151007"/>
-            <a:ext cx="9999846" cy="369332"/>
-          </a:xfrm>
-          <a:prstGeom prst="rect">
-            <a:avLst/>
-          </a:prstGeom>
-        </p:spPr>
-        <p:txBody>
-          <a:bodyPr wrap="square">
-            <a:spAutoFit/>
-          </a:bodyPr>
-          <a:lstStyle/>
-          <a:p>
-            <a:pPr marL="0" marR="0" lvl="0" indent="0" algn="l" defTabSz="914400" rtl="0" eaLnBrk="1" fontAlgn="auto" latinLnBrk="0" hangingPunct="1">
-              <a:lnSpc>
-                <a:spcPct val="100000"/>
-              </a:lnSpc>
-              <a:spcBef>
-                <a:spcPts val="0"/>
-              </a:spcBef>
-              <a:spcAft>
-                <a:spcPts val="0"/>
-              </a:spcAft>
-              <a:buClrTx/>
-              <a:buSzTx/>
-              <a:buFontTx/>
-              <a:buNone/>
-              <a:tabLst/>
-              <a:defRPr/>
-            </a:pPr>
-            <a:r>
-              <a:rPr lang="en-NZ" i="1" dirty="0"/>
-              <a:t>Additional rows can be added by clicking in the last cell and then using the Tab key </a:t>
-            </a:r>
-          </a:p>
-        </p:txBody>
-      </p:sp>
     </p:spTree>
   </p:cSld>
   <p:clrMapOvr>
@@ -7864,14 +8126,6 @@
 </file>
 
 <file path=customXml/item1.xml><?xml version="1.0" encoding="utf-8"?>
-<p:properties xmlns:p="http://schemas.microsoft.com/office/2006/metadata/properties" xmlns:xsi="http://www.w3.org/2001/XMLSchema-instance" xmlns:pc="http://schemas.microsoft.com/office/infopath/2007/PartnerControls">
-  <documentManagement>
-    <ReferenceId xmlns="3ac145f2-9803-46f6-b702-374493710c2e" xsi:nil="true"/>
-  </documentManagement>
-</p:properties>
-</file>
-
-<file path=customXml/item2.xml><?xml version="1.0" encoding="utf-8"?>
 <ct:contentTypeSchema xmlns:ct="http://schemas.microsoft.com/office/2006/metadata/contentType" xmlns:ma="http://schemas.microsoft.com/office/2006/metadata/properties/metaAttributes" ct:_="" ma:_="" ma:contentTypeName="Document" ma:contentTypeID="0x010100CE75DA83D22F8E48BAC825FC32A1856B" ma:contentTypeVersion="9" ma:contentTypeDescription="Create a new document." ma:contentTypeScope="" ma:versionID="7fb70ad076869fe0f0573ac3521d6468">
   <xsd:schema xmlns:xsd="http://www.w3.org/2001/XMLSchema" xmlns:xs="http://www.w3.org/2001/XMLSchema" xmlns:p="http://schemas.microsoft.com/office/2006/metadata/properties" xmlns:ns2="3ac145f2-9803-46f6-b702-374493710c2e" xmlns:ns3="f8614448-f46c-4880-8b68-17c914e2801b" targetNamespace="http://schemas.microsoft.com/office/2006/metadata/properties" ma:root="true" ma:fieldsID="f374b0e902821a9a4c3006c60326a7a1" ns2:_="" ns3:_="">
     <xsd:import namespace="3ac145f2-9803-46f6-b702-374493710c2e"/>
@@ -8068,6 +8322,14 @@
 </ct:contentTypeSchema>
 </file>
 
+<file path=customXml/item2.xml><?xml version="1.0" encoding="utf-8"?>
+<p:properties xmlns:p="http://schemas.microsoft.com/office/2006/metadata/properties" xmlns:xsi="http://www.w3.org/2001/XMLSchema-instance" xmlns:pc="http://schemas.microsoft.com/office/infopath/2007/PartnerControls">
+  <documentManagement>
+    <ReferenceId xmlns="3ac145f2-9803-46f6-b702-374493710c2e" xsi:nil="true"/>
+  </documentManagement>
+</p:properties>
+</file>
+
 <file path=customXml/item3.xml><?xml version="1.0" encoding="utf-8"?>
 <?mso-contentType ?>
 <FormTemplates xmlns="http://schemas.microsoft.com/sharepoint/v3/contenttype/forms">
@@ -8078,16 +8340,6 @@
 </file>
 
 <file path=customXml/itemProps1.xml><?xml version="1.0" encoding="utf-8"?>
-<ds:datastoreItem xmlns:ds="http://schemas.openxmlformats.org/officeDocument/2006/customXml" ds:itemID="{8CCE1432-2915-4013-A40F-C8CBF1E90797}">
-  <ds:schemaRefs>
-    <ds:schemaRef ds:uri="http://schemas.microsoft.com/office/2006/metadata/properties"/>
-    <ds:schemaRef ds:uri="http://schemas.microsoft.com/office/infopath/2007/PartnerControls"/>
-    <ds:schemaRef ds:uri="3ac145f2-9803-46f6-b702-374493710c2e"/>
-  </ds:schemaRefs>
-</ds:datastoreItem>
-</file>
-
-<file path=customXml/itemProps2.xml><?xml version="1.0" encoding="utf-8"?>
 <ds:datastoreItem xmlns:ds="http://schemas.openxmlformats.org/officeDocument/2006/customXml" ds:itemID="{ED51ADB2-214E-46BA-8DE1-A63839197C2E}">
   <ds:schemaRefs>
     <ds:schemaRef ds:uri="http://schemas.microsoft.com/office/2006/metadata/contentType"/>
@@ -8106,6 +8358,16 @@
 </ds:datastoreItem>
 </file>
 
+<file path=customXml/itemProps2.xml><?xml version="1.0" encoding="utf-8"?>
+<ds:datastoreItem xmlns:ds="http://schemas.openxmlformats.org/officeDocument/2006/customXml" ds:itemID="{8CCE1432-2915-4013-A40F-C8CBF1E90797}">
+  <ds:schemaRefs>
+    <ds:schemaRef ds:uri="http://schemas.microsoft.com/office/2006/metadata/properties"/>
+    <ds:schemaRef ds:uri="http://schemas.microsoft.com/office/infopath/2007/PartnerControls"/>
+    <ds:schemaRef ds:uri="3ac145f2-9803-46f6-b702-374493710c2e"/>
+  </ds:schemaRefs>
+</ds:datastoreItem>
+</file>
+
 <file path=customXml/itemProps3.xml><?xml version="1.0" encoding="utf-8"?>
 <ds:datastoreItem xmlns:ds="http://schemas.openxmlformats.org/officeDocument/2006/customXml" ds:itemID="{3BCB4A51-04B8-4D9E-A104-35DBDC6B39D6}">
   <ds:schemaRefs>
